--- a/Day4/state/state.pptx
+++ b/Day4/state/state.pptx
@@ -13,6 +13,7 @@
     <p:sldId id="261" r:id="rId7"/>
     <p:sldId id="262" r:id="rId8"/>
     <p:sldId id="263" r:id="rId9"/>
+    <p:sldId id="264" r:id="rId10"/>
   </p:sldIdLst>
   <p:sldSz cx="12192000" cy="6858000"/>
   <p:notesSz cx="6858000" cy="9144000"/>
@@ -111,6 +112,11 @@
       </a:defRPr>
     </a:lvl9pPr>
   </p:defaultTextStyle>
+  <p:extLst>
+    <p:ext uri="{EFAFB233-063F-42B5-8137-9DF3F51BA10A}">
+      <p15:sldGuideLst xmlns:p15="http://schemas.microsoft.com/office/powerpoint/2012/main"/>
+    </p:ext>
+  </p:extLst>
 </p:presentation>
 </file>
 
@@ -344,7 +350,7 @@
             <a:fld id="{B61BEF0D-F0BB-DE4B-95CE-6DB70DBA9567}" type="datetimeFigureOut">
               <a:rPr lang="en-US" dirty="0"/>
               <a:pPr/>
-              <a:t>7/26/21</a:t>
+              <a:t>8/2/21</a:t>
             </a:fld>
             <a:endParaRPr lang="en-US" dirty="0"/>
           </a:p>
@@ -675,7 +681,7 @@
             <a:fld id="{B61BEF0D-F0BB-DE4B-95CE-6DB70DBA9567}" type="datetimeFigureOut">
               <a:rPr lang="en-US" dirty="0"/>
               <a:pPr/>
-              <a:t>7/26/21</a:t>
+              <a:t>8/2/21</a:t>
             </a:fld>
             <a:endParaRPr lang="en-US" dirty="0"/>
           </a:p>
@@ -950,7 +956,7 @@
             <a:fld id="{B61BEF0D-F0BB-DE4B-95CE-6DB70DBA9567}" type="datetimeFigureOut">
               <a:rPr lang="en-US" dirty="0"/>
               <a:pPr/>
-              <a:t>7/26/21</a:t>
+              <a:t>8/2/21</a:t>
             </a:fld>
             <a:endParaRPr lang="en-US" dirty="0"/>
           </a:p>
@@ -1515,7 +1521,7 @@
             <a:fld id="{B61BEF0D-F0BB-DE4B-95CE-6DB70DBA9567}" type="datetimeFigureOut">
               <a:rPr lang="en-US" dirty="0"/>
               <a:pPr/>
-              <a:t>7/26/21</a:t>
+              <a:t>8/2/21</a:t>
             </a:fld>
             <a:endParaRPr lang="en-US" dirty="0"/>
           </a:p>
@@ -1790,7 +1796,7 @@
             <a:fld id="{B61BEF0D-F0BB-DE4B-95CE-6DB70DBA9567}" type="datetimeFigureOut">
               <a:rPr lang="en-US" dirty="0"/>
               <a:pPr/>
-              <a:t>7/26/21</a:t>
+              <a:t>8/2/21</a:t>
             </a:fld>
             <a:endParaRPr lang="en-US" dirty="0"/>
           </a:p>
@@ -2349,7 +2355,7 @@
             <a:fld id="{B61BEF0D-F0BB-DE4B-95CE-6DB70DBA9567}" type="datetimeFigureOut">
               <a:rPr lang="en-US" dirty="0"/>
               <a:pPr/>
-              <a:t>7/26/21</a:t>
+              <a:t>8/2/21</a:t>
             </a:fld>
             <a:endParaRPr lang="en-US" dirty="0"/>
           </a:p>
@@ -2673,7 +2679,7 @@
             <a:fld id="{B61BEF0D-F0BB-DE4B-95CE-6DB70DBA9567}" type="datetimeFigureOut">
               <a:rPr lang="en-US" dirty="0"/>
               <a:pPr/>
-              <a:t>7/26/21</a:t>
+              <a:t>8/2/21</a:t>
             </a:fld>
             <a:endParaRPr lang="en-US" dirty="0"/>
           </a:p>
@@ -2847,7 +2853,7 @@
             <a:fld id="{B61BEF0D-F0BB-DE4B-95CE-6DB70DBA9567}" type="datetimeFigureOut">
               <a:rPr lang="en-US" dirty="0"/>
               <a:pPr/>
-              <a:t>7/26/21</a:t>
+              <a:t>8/2/21</a:t>
             </a:fld>
             <a:endParaRPr lang="en-US" dirty="0"/>
           </a:p>
@@ -3082,7 +3088,7 @@
             <a:fld id="{B61BEF0D-F0BB-DE4B-95CE-6DB70DBA9567}" type="datetimeFigureOut">
               <a:rPr lang="en-US" dirty="0"/>
               <a:pPr/>
-              <a:t>7/26/21</a:t>
+              <a:t>8/2/21</a:t>
             </a:fld>
             <a:endParaRPr lang="en-US" dirty="0"/>
           </a:p>
@@ -3279,7 +3285,7 @@
             <a:fld id="{B61BEF0D-F0BB-DE4B-95CE-6DB70DBA9567}" type="datetimeFigureOut">
               <a:rPr lang="en-US" dirty="0"/>
               <a:pPr/>
-              <a:t>7/26/21</a:t>
+              <a:t>8/2/21</a:t>
             </a:fld>
             <a:endParaRPr lang="en-US" dirty="0"/>
           </a:p>
@@ -3552,7 +3558,7 @@
             <a:fld id="{B61BEF0D-F0BB-DE4B-95CE-6DB70DBA9567}" type="datetimeFigureOut">
               <a:rPr lang="en-US" dirty="0"/>
               <a:pPr/>
-              <a:t>7/26/21</a:t>
+              <a:t>8/2/21</a:t>
             </a:fld>
             <a:endParaRPr lang="en-US" dirty="0"/>
           </a:p>
@@ -3815,7 +3821,7 @@
             <a:fld id="{B61BEF0D-F0BB-DE4B-95CE-6DB70DBA9567}" type="datetimeFigureOut">
               <a:rPr lang="en-US" dirty="0"/>
               <a:pPr/>
-              <a:t>7/26/21</a:t>
+              <a:t>8/2/21</a:t>
             </a:fld>
             <a:endParaRPr lang="en-US" dirty="0"/>
           </a:p>
@@ -4186,7 +4192,7 @@
             <a:fld id="{B61BEF0D-F0BB-DE4B-95CE-6DB70DBA9567}" type="datetimeFigureOut">
               <a:rPr lang="en-US" dirty="0"/>
               <a:pPr/>
-              <a:t>7/26/21</a:t>
+              <a:t>8/2/21</a:t>
             </a:fld>
             <a:endParaRPr lang="en-US" dirty="0"/>
           </a:p>
@@ -4331,7 +4337,7 @@
             <a:fld id="{B61BEF0D-F0BB-DE4B-95CE-6DB70DBA9567}" type="datetimeFigureOut">
               <a:rPr lang="en-US" dirty="0"/>
               <a:pPr/>
-              <a:t>7/26/21</a:t>
+              <a:t>8/2/21</a:t>
             </a:fld>
             <a:endParaRPr lang="en-US" dirty="0"/>
           </a:p>
@@ -4453,7 +4459,7 @@
             <a:fld id="{B61BEF0D-F0BB-DE4B-95CE-6DB70DBA9567}" type="datetimeFigureOut">
               <a:rPr lang="en-US" dirty="0"/>
               <a:pPr/>
-              <a:t>7/26/21</a:t>
+              <a:t>8/2/21</a:t>
             </a:fld>
             <a:endParaRPr lang="en-US" dirty="0"/>
           </a:p>
@@ -4735,7 +4741,7 @@
             <a:fld id="{B61BEF0D-F0BB-DE4B-95CE-6DB70DBA9567}" type="datetimeFigureOut">
               <a:rPr lang="en-US" dirty="0"/>
               <a:pPr/>
-              <a:t>7/26/21</a:t>
+              <a:t>8/2/21</a:t>
             </a:fld>
             <a:endParaRPr lang="en-US" dirty="0"/>
           </a:p>
@@ -5056,7 +5062,7 @@
             <a:fld id="{B61BEF0D-F0BB-DE4B-95CE-6DB70DBA9567}" type="datetimeFigureOut">
               <a:rPr lang="en-US" dirty="0"/>
               <a:pPr/>
-              <a:t>7/26/21</a:t>
+              <a:t>8/2/21</a:t>
             </a:fld>
             <a:endParaRPr lang="en-US" dirty="0"/>
           </a:p>
@@ -5267,7 +5273,7 @@
             <a:fld id="{B61BEF0D-F0BB-DE4B-95CE-6DB70DBA9567}" type="datetimeFigureOut">
               <a:rPr lang="en-US" dirty="0"/>
               <a:pPr/>
-              <a:t>7/26/21</a:t>
+              <a:t>8/2/21</a:t>
             </a:fld>
             <a:endParaRPr lang="en-US" dirty="0"/>
           </a:p>
@@ -7088,7 +7094,7 @@
         </p:nvSpPr>
         <p:spPr>
           <a:xfrm>
-            <a:off x="408399" y="609600"/>
+            <a:off x="506370" y="1480457"/>
             <a:ext cx="10131425" cy="3649133"/>
           </a:xfrm>
         </p:spPr>
@@ -7136,6 +7142,39 @@
               <a:rPr lang="en-IN" dirty="0"/>
               <a:t>command updates state data to match the real-world condition of the managed resources. This is done automatically during plans and applies, but not when interacting with state directly.</a:t>
             </a:r>
+          </a:p>
+          <a:p>
+            <a:r>
+              <a:rPr lang="en-IN" dirty="0"/>
+              <a:t>The </a:t>
+            </a:r>
+            <a:r>
+              <a:rPr lang="en-IN" b="1" dirty="0"/>
+              <a:t>terraform state mv </a:t>
+            </a:r>
+            <a:r>
+              <a:rPr lang="en-IN" dirty="0"/>
+              <a:t>to move the state like re-creation/renaming instead of  destroy/apply.</a:t>
+            </a:r>
+          </a:p>
+          <a:p>
+            <a:r>
+              <a:rPr lang="en-IN" dirty="0"/>
+              <a:t>The </a:t>
+            </a:r>
+            <a:r>
+              <a:rPr lang="en-IN" b="1" dirty="0"/>
+              <a:t>terraform state pull – download and output from remote</a:t>
+            </a:r>
+          </a:p>
+          <a:p>
+            <a:r>
+              <a:rPr lang="en-IN" b="1" dirty="0"/>
+              <a:t>The terraform state push – upload local state to remote</a:t>
+            </a:r>
+          </a:p>
+          <a:p>
+            <a:endParaRPr lang="en-IN" b="1" dirty="0"/>
           </a:p>
           <a:p>
             <a:pPr marL="0" indent="0">
@@ -7149,6 +7188,138 @@
     <p:extLst>
       <p:ext uri="{BB962C8B-B14F-4D97-AF65-F5344CB8AC3E}">
         <p14:creationId xmlns:p14="http://schemas.microsoft.com/office/powerpoint/2010/main" val="518892809"/>
+      </p:ext>
+    </p:extLst>
+  </p:cSld>
+  <p:clrMapOvr>
+    <a:masterClrMapping/>
+  </p:clrMapOvr>
+</p:sld>
+</file>
+
+<file path=ppt/slides/slide9.xml><?xml version="1.0" encoding="utf-8"?>
+<p:sld xmlns:a="http://schemas.openxmlformats.org/drawingml/2006/main" xmlns:r="http://schemas.openxmlformats.org/officeDocument/2006/relationships" xmlns:p="http://schemas.openxmlformats.org/presentationml/2006/main">
+  <p:cSld>
+    <p:spTree>
+      <p:nvGrpSpPr>
+        <p:cNvPr id="1" name=""/>
+        <p:cNvGrpSpPr/>
+        <p:nvPr/>
+      </p:nvGrpSpPr>
+      <p:grpSpPr>
+        <a:xfrm>
+          <a:off x="0" y="0"/>
+          <a:ext cx="0" cy="0"/>
+          <a:chOff x="0" y="0"/>
+          <a:chExt cx="0" cy="0"/>
+        </a:xfrm>
+      </p:grpSpPr>
+      <p:sp>
+        <p:nvSpPr>
+          <p:cNvPr id="2" name="Title 1">
+            <a:extLst>
+              <a:ext uri="{FF2B5EF4-FFF2-40B4-BE49-F238E27FC236}">
+                <a16:creationId xmlns:a16="http://schemas.microsoft.com/office/drawing/2014/main" id="{3368BB09-16EC-D84F-A8C7-22CC08E22085}"/>
+              </a:ext>
+            </a:extLst>
+          </p:cNvPr>
+          <p:cNvSpPr>
+            <a:spLocks noGrp="1"/>
+          </p:cNvSpPr>
+          <p:nvPr>
+            <p:ph type="title"/>
+          </p:nvPr>
+        </p:nvSpPr>
+        <p:spPr>
+          <a:xfrm>
+            <a:off x="206829" y="-185057"/>
+            <a:ext cx="10131425" cy="1456267"/>
+          </a:xfrm>
+        </p:spPr>
+        <p:txBody>
+          <a:bodyPr/>
+          <a:lstStyle/>
+          <a:p>
+            <a:r>
+              <a:rPr lang="en-US" b="1" cap="none" dirty="0"/>
+              <a:t>terraform import</a:t>
+            </a:r>
+          </a:p>
+        </p:txBody>
+      </p:sp>
+      <p:sp>
+        <p:nvSpPr>
+          <p:cNvPr id="3" name="Content Placeholder 2">
+            <a:extLst>
+              <a:ext uri="{FF2B5EF4-FFF2-40B4-BE49-F238E27FC236}">
+                <a16:creationId xmlns:a16="http://schemas.microsoft.com/office/drawing/2014/main" id="{DDDFA6DA-EEB4-C34C-8C22-80C2DD33D75E}"/>
+              </a:ext>
+            </a:extLst>
+          </p:cNvPr>
+          <p:cNvSpPr>
+            <a:spLocks noGrp="1"/>
+          </p:cNvSpPr>
+          <p:nvPr>
+            <p:ph idx="1"/>
+          </p:nvPr>
+        </p:nvSpPr>
+        <p:spPr/>
+        <p:txBody>
+          <a:bodyPr/>
+          <a:lstStyle/>
+          <a:p>
+            <a:r>
+              <a:rPr lang="en-US" dirty="0"/>
+              <a:t>Sometimes our friends can create some resource manually</a:t>
+            </a:r>
+          </a:p>
+          <a:p>
+            <a:r>
+              <a:rPr lang="en-US" dirty="0"/>
+              <a:t>Sometimes you may do manually first and then go for terraform</a:t>
+            </a:r>
+          </a:p>
+          <a:p>
+            <a:r>
+              <a:rPr lang="en-IN" dirty="0"/>
+              <a:t>Terraform is  able to import existing infrastructure. This allows you take resources you've created by some other means and bring it under Terraform management.</a:t>
+            </a:r>
+          </a:p>
+          <a:p>
+            <a:r>
+              <a:rPr lang="en-IN" dirty="0"/>
+              <a:t>This is a great way to slowly transition infrastructure to Terraform, or to be able to be confident that you can use Terraform in the future if it potentially doesn't support every feature you need today.</a:t>
+            </a:r>
+          </a:p>
+          <a:p>
+            <a:r>
+              <a:rPr lang="en-IN" dirty="0"/>
+              <a:t>The current implementation of Terraform import can only import resources into the </a:t>
+            </a:r>
+            <a:r>
+              <a:rPr lang="en-IN" dirty="0">
+                <a:hlinkClick r:id="rId2"/>
+              </a:rPr>
+              <a:t>state</a:t>
+            </a:r>
+            <a:r>
+              <a:rPr lang="en-IN" dirty="0"/>
+              <a:t>. It does not generate configuration. </a:t>
+            </a:r>
+            <a:r>
+              <a:rPr lang="en-IN"/>
+              <a:t>A future version of Terraform will also generate configuration.</a:t>
+            </a:r>
+          </a:p>
+          <a:p>
+            <a:endParaRPr lang="en-US" dirty="0"/>
+          </a:p>
+        </p:txBody>
+      </p:sp>
+    </p:spTree>
+    <p:extLst>
+      <p:ext uri="{BB962C8B-B14F-4D97-AF65-F5344CB8AC3E}">
+        <p14:creationId xmlns:p14="http://schemas.microsoft.com/office/powerpoint/2010/main" val="3161887837"/>
       </p:ext>
     </p:extLst>
   </p:cSld>
